--- a/overview/screen_design.pptx
+++ b/overview/screen_design.pptx
@@ -803,10 +803,10 @@
           <c:invertIfNegative val="0"/>
           <c:cat>
             <c:numRef>
-              <c:f>Sheet1!$A$2:$A$7</c:f>
+              <c:f>Sheet1!$A$2:$A$31</c:f>
               <c:numCache>
                 <c:formatCode>General</c:formatCode>
-                <c:ptCount val="6"/>
+                <c:ptCount val="30"/>
                 <c:pt idx="0">
                   <c:v>1</c:v>
                 </c:pt>
@@ -824,30 +824,102 @@
                 </c:pt>
                 <c:pt idx="5">
                   <c:v>6</c:v>
+                </c:pt>
+                <c:pt idx="6">
+                  <c:v>7</c:v>
+                </c:pt>
+                <c:pt idx="7">
+                  <c:v>8</c:v>
+                </c:pt>
+                <c:pt idx="8">
+                  <c:v>9</c:v>
+                </c:pt>
+                <c:pt idx="9">
+                  <c:v>10</c:v>
+                </c:pt>
+                <c:pt idx="10">
+                  <c:v>11</c:v>
+                </c:pt>
+                <c:pt idx="11">
+                  <c:v>12</c:v>
+                </c:pt>
+                <c:pt idx="12">
+                  <c:v>13</c:v>
+                </c:pt>
+                <c:pt idx="13">
+                  <c:v>14</c:v>
+                </c:pt>
+                <c:pt idx="14">
+                  <c:v>15</c:v>
+                </c:pt>
+                <c:pt idx="15">
+                  <c:v>16</c:v>
+                </c:pt>
+                <c:pt idx="16">
+                  <c:v>17</c:v>
+                </c:pt>
+                <c:pt idx="17">
+                  <c:v>18</c:v>
+                </c:pt>
+                <c:pt idx="18">
+                  <c:v>19</c:v>
+                </c:pt>
+                <c:pt idx="19">
+                  <c:v>20</c:v>
+                </c:pt>
+                <c:pt idx="20">
+                  <c:v>21</c:v>
+                </c:pt>
+                <c:pt idx="21">
+                  <c:v>22</c:v>
+                </c:pt>
+                <c:pt idx="22">
+                  <c:v>23</c:v>
+                </c:pt>
+                <c:pt idx="23">
+                  <c:v>24</c:v>
+                </c:pt>
+                <c:pt idx="24">
+                  <c:v>25</c:v>
+                </c:pt>
+                <c:pt idx="25">
+                  <c:v>26</c:v>
+                </c:pt>
+                <c:pt idx="26">
+                  <c:v>27</c:v>
+                </c:pt>
+                <c:pt idx="27">
+                  <c:v>28</c:v>
+                </c:pt>
+                <c:pt idx="28">
+                  <c:v>29</c:v>
+                </c:pt>
+                <c:pt idx="29">
+                  <c:v>30</c:v>
                 </c:pt>
               </c:numCache>
             </c:numRef>
           </c:cat>
           <c:val>
             <c:numRef>
-              <c:f>Sheet1!$B$2:$B$9</c:f>
+              <c:f>Sheet1!$B$2:$B$31</c:f>
               <c:numCache>
                 <c:formatCode>General</c:formatCode>
-                <c:ptCount val="8"/>
+                <c:ptCount val="30"/>
                 <c:pt idx="0">
-                  <c:v>4.3</c:v>
+                  <c:v>2.5</c:v>
                 </c:pt>
                 <c:pt idx="1">
+                  <c:v>3.5</c:v>
+                </c:pt>
+                <c:pt idx="2">
+                  <c:v>4.5</c:v>
+                </c:pt>
+                <c:pt idx="3">
                   <c:v>2.5</c:v>
                 </c:pt>
-                <c:pt idx="2">
+                <c:pt idx="4">
                   <c:v>3.5</c:v>
-                </c:pt>
-                <c:pt idx="3">
-                  <c:v>4.5</c:v>
-                </c:pt>
-                <c:pt idx="4">
-                  <c:v>4.3</c:v>
                 </c:pt>
                 <c:pt idx="5">
                   <c:v>2.5</c:v>
@@ -856,6 +928,72 @@
                   <c:v>3.5</c:v>
                 </c:pt>
                 <c:pt idx="7">
+                  <c:v>4.5</c:v>
+                </c:pt>
+                <c:pt idx="8">
+                  <c:v>2.5</c:v>
+                </c:pt>
+                <c:pt idx="9">
+                  <c:v>3.5</c:v>
+                </c:pt>
+                <c:pt idx="10">
+                  <c:v>2.5</c:v>
+                </c:pt>
+                <c:pt idx="11">
+                  <c:v>3.5</c:v>
+                </c:pt>
+                <c:pt idx="12">
+                  <c:v>4.5</c:v>
+                </c:pt>
+                <c:pt idx="13">
+                  <c:v>2.5</c:v>
+                </c:pt>
+                <c:pt idx="14">
+                  <c:v>3.5</c:v>
+                </c:pt>
+                <c:pt idx="15">
+                  <c:v>2.5</c:v>
+                </c:pt>
+                <c:pt idx="16">
+                  <c:v>3.5</c:v>
+                </c:pt>
+                <c:pt idx="17">
+                  <c:v>4.5</c:v>
+                </c:pt>
+                <c:pt idx="18">
+                  <c:v>2.5</c:v>
+                </c:pt>
+                <c:pt idx="19">
+                  <c:v>3.5</c:v>
+                </c:pt>
+                <c:pt idx="20">
+                  <c:v>2.5</c:v>
+                </c:pt>
+                <c:pt idx="21">
+                  <c:v>3.5</c:v>
+                </c:pt>
+                <c:pt idx="22">
+                  <c:v>4.5</c:v>
+                </c:pt>
+                <c:pt idx="23">
+                  <c:v>2.5</c:v>
+                </c:pt>
+                <c:pt idx="24">
+                  <c:v>3.5</c:v>
+                </c:pt>
+                <c:pt idx="25">
+                  <c:v>3.5</c:v>
+                </c:pt>
+                <c:pt idx="26">
+                  <c:v>4.5</c:v>
+                </c:pt>
+                <c:pt idx="27">
+                  <c:v>2.5</c:v>
+                </c:pt>
+                <c:pt idx="28">
+                  <c:v>3.5</c:v>
+                </c:pt>
+                <c:pt idx="29">
                   <c:v>4.5</c:v>
                 </c:pt>
               </c:numCache>
@@ -863,7 +1001,7 @@
           </c:val>
           <c:extLst>
             <c:ext xmlns:c16="http://schemas.microsoft.com/office/drawing/2014/chart" uri="{C3380CC4-5D6E-409C-BE32-E72D297353CC}">
-              <c16:uniqueId val="{00000000-8043-46B9-89F1-640243D8D8B0}"/>
+              <c16:uniqueId val="{00000000-0579-4D56-B90A-E0BC0AB4AD37}"/>
             </c:ext>
           </c:extLst>
         </c:ser>
@@ -893,10 +1031,10 @@
           <c:invertIfNegative val="0"/>
           <c:cat>
             <c:numRef>
-              <c:f>Sheet1!$A$2:$A$7</c:f>
+              <c:f>Sheet1!$A$2:$A$31</c:f>
               <c:numCache>
                 <c:formatCode>General</c:formatCode>
-                <c:ptCount val="6"/>
+                <c:ptCount val="30"/>
                 <c:pt idx="0">
                   <c:v>1</c:v>
                 </c:pt>
@@ -914,30 +1052,102 @@
                 </c:pt>
                 <c:pt idx="5">
                   <c:v>6</c:v>
+                </c:pt>
+                <c:pt idx="6">
+                  <c:v>7</c:v>
+                </c:pt>
+                <c:pt idx="7">
+                  <c:v>8</c:v>
+                </c:pt>
+                <c:pt idx="8">
+                  <c:v>9</c:v>
+                </c:pt>
+                <c:pt idx="9">
+                  <c:v>10</c:v>
+                </c:pt>
+                <c:pt idx="10">
+                  <c:v>11</c:v>
+                </c:pt>
+                <c:pt idx="11">
+                  <c:v>12</c:v>
+                </c:pt>
+                <c:pt idx="12">
+                  <c:v>13</c:v>
+                </c:pt>
+                <c:pt idx="13">
+                  <c:v>14</c:v>
+                </c:pt>
+                <c:pt idx="14">
+                  <c:v>15</c:v>
+                </c:pt>
+                <c:pt idx="15">
+                  <c:v>16</c:v>
+                </c:pt>
+                <c:pt idx="16">
+                  <c:v>17</c:v>
+                </c:pt>
+                <c:pt idx="17">
+                  <c:v>18</c:v>
+                </c:pt>
+                <c:pt idx="18">
+                  <c:v>19</c:v>
+                </c:pt>
+                <c:pt idx="19">
+                  <c:v>20</c:v>
+                </c:pt>
+                <c:pt idx="20">
+                  <c:v>21</c:v>
+                </c:pt>
+                <c:pt idx="21">
+                  <c:v>22</c:v>
+                </c:pt>
+                <c:pt idx="22">
+                  <c:v>23</c:v>
+                </c:pt>
+                <c:pt idx="23">
+                  <c:v>24</c:v>
+                </c:pt>
+                <c:pt idx="24">
+                  <c:v>25</c:v>
+                </c:pt>
+                <c:pt idx="25">
+                  <c:v>26</c:v>
+                </c:pt>
+                <c:pt idx="26">
+                  <c:v>27</c:v>
+                </c:pt>
+                <c:pt idx="27">
+                  <c:v>28</c:v>
+                </c:pt>
+                <c:pt idx="28">
+                  <c:v>29</c:v>
+                </c:pt>
+                <c:pt idx="29">
+                  <c:v>30</c:v>
                 </c:pt>
               </c:numCache>
             </c:numRef>
           </c:cat>
           <c:val>
             <c:numRef>
-              <c:f>Sheet1!$C$2:$C$9</c:f>
+              <c:f>Sheet1!$C$2:$C$31</c:f>
               <c:numCache>
                 <c:formatCode>General</c:formatCode>
-                <c:ptCount val="8"/>
+                <c:ptCount val="30"/>
                 <c:pt idx="0">
-                  <c:v>2.4</c:v>
+                  <c:v>4.4000000000000004</c:v>
                 </c:pt>
                 <c:pt idx="1">
+                  <c:v>1.8</c:v>
+                </c:pt>
+                <c:pt idx="2">
+                  <c:v>2.8</c:v>
+                </c:pt>
+                <c:pt idx="3">
                   <c:v>4.4000000000000004</c:v>
                 </c:pt>
-                <c:pt idx="2">
+                <c:pt idx="4">
                   <c:v>1.8</c:v>
-                </c:pt>
-                <c:pt idx="3">
-                  <c:v>2.8</c:v>
-                </c:pt>
-                <c:pt idx="4">
-                  <c:v>2.4</c:v>
                 </c:pt>
                 <c:pt idx="5">
                   <c:v>4.4000000000000004</c:v>
@@ -946,6 +1156,72 @@
                   <c:v>1.8</c:v>
                 </c:pt>
                 <c:pt idx="7">
+                  <c:v>2.8</c:v>
+                </c:pt>
+                <c:pt idx="8">
+                  <c:v>4.4000000000000004</c:v>
+                </c:pt>
+                <c:pt idx="9">
+                  <c:v>1.8</c:v>
+                </c:pt>
+                <c:pt idx="10">
+                  <c:v>4.4000000000000004</c:v>
+                </c:pt>
+                <c:pt idx="11">
+                  <c:v>1.8</c:v>
+                </c:pt>
+                <c:pt idx="12">
+                  <c:v>2.8</c:v>
+                </c:pt>
+                <c:pt idx="13">
+                  <c:v>4.4000000000000004</c:v>
+                </c:pt>
+                <c:pt idx="14">
+                  <c:v>1.8</c:v>
+                </c:pt>
+                <c:pt idx="15">
+                  <c:v>4.4000000000000004</c:v>
+                </c:pt>
+                <c:pt idx="16">
+                  <c:v>1.8</c:v>
+                </c:pt>
+                <c:pt idx="17">
+                  <c:v>2.8</c:v>
+                </c:pt>
+                <c:pt idx="18">
+                  <c:v>4.4000000000000004</c:v>
+                </c:pt>
+                <c:pt idx="19">
+                  <c:v>1.8</c:v>
+                </c:pt>
+                <c:pt idx="20">
+                  <c:v>4.4000000000000004</c:v>
+                </c:pt>
+                <c:pt idx="21">
+                  <c:v>1.8</c:v>
+                </c:pt>
+                <c:pt idx="22">
+                  <c:v>2.8</c:v>
+                </c:pt>
+                <c:pt idx="23">
+                  <c:v>4.4000000000000004</c:v>
+                </c:pt>
+                <c:pt idx="24">
+                  <c:v>1.8</c:v>
+                </c:pt>
+                <c:pt idx="25">
+                  <c:v>1.8</c:v>
+                </c:pt>
+                <c:pt idx="26">
+                  <c:v>2.8</c:v>
+                </c:pt>
+                <c:pt idx="27">
+                  <c:v>4.4000000000000004</c:v>
+                </c:pt>
+                <c:pt idx="28">
+                  <c:v>1.8</c:v>
+                </c:pt>
+                <c:pt idx="29">
                   <c:v>2.8</c:v>
                 </c:pt>
               </c:numCache>
@@ -953,7 +1229,7 @@
           </c:val>
           <c:extLst>
             <c:ext xmlns:c16="http://schemas.microsoft.com/office/drawing/2014/chart" uri="{C3380CC4-5D6E-409C-BE32-E72D297353CC}">
-              <c16:uniqueId val="{00000001-8043-46B9-89F1-640243D8D8B0}"/>
+              <c16:uniqueId val="{00000001-0579-4D56-B90A-E0BC0AB4AD37}"/>
             </c:ext>
           </c:extLst>
         </c:ser>
@@ -983,10 +1259,10 @@
           <c:invertIfNegative val="0"/>
           <c:cat>
             <c:numRef>
-              <c:f>Sheet1!$A$2:$A$7</c:f>
+              <c:f>Sheet1!$A$2:$A$31</c:f>
               <c:numCache>
                 <c:formatCode>General</c:formatCode>
-                <c:ptCount val="6"/>
+                <c:ptCount val="30"/>
                 <c:pt idx="0">
                   <c:v>1</c:v>
                 </c:pt>
@@ -1004,46 +1280,184 @@
                 </c:pt>
                 <c:pt idx="5">
                   <c:v>6</c:v>
+                </c:pt>
+                <c:pt idx="6">
+                  <c:v>7</c:v>
+                </c:pt>
+                <c:pt idx="7">
+                  <c:v>8</c:v>
+                </c:pt>
+                <c:pt idx="8">
+                  <c:v>9</c:v>
+                </c:pt>
+                <c:pt idx="9">
+                  <c:v>10</c:v>
+                </c:pt>
+                <c:pt idx="10">
+                  <c:v>11</c:v>
+                </c:pt>
+                <c:pt idx="11">
+                  <c:v>12</c:v>
+                </c:pt>
+                <c:pt idx="12">
+                  <c:v>13</c:v>
+                </c:pt>
+                <c:pt idx="13">
+                  <c:v>14</c:v>
+                </c:pt>
+                <c:pt idx="14">
+                  <c:v>15</c:v>
+                </c:pt>
+                <c:pt idx="15">
+                  <c:v>16</c:v>
+                </c:pt>
+                <c:pt idx="16">
+                  <c:v>17</c:v>
+                </c:pt>
+                <c:pt idx="17">
+                  <c:v>18</c:v>
+                </c:pt>
+                <c:pt idx="18">
+                  <c:v>19</c:v>
+                </c:pt>
+                <c:pt idx="19">
+                  <c:v>20</c:v>
+                </c:pt>
+                <c:pt idx="20">
+                  <c:v>21</c:v>
+                </c:pt>
+                <c:pt idx="21">
+                  <c:v>22</c:v>
+                </c:pt>
+                <c:pt idx="22">
+                  <c:v>23</c:v>
+                </c:pt>
+                <c:pt idx="23">
+                  <c:v>24</c:v>
+                </c:pt>
+                <c:pt idx="24">
+                  <c:v>25</c:v>
+                </c:pt>
+                <c:pt idx="25">
+                  <c:v>26</c:v>
+                </c:pt>
+                <c:pt idx="26">
+                  <c:v>27</c:v>
+                </c:pt>
+                <c:pt idx="27">
+                  <c:v>28</c:v>
+                </c:pt>
+                <c:pt idx="28">
+                  <c:v>29</c:v>
+                </c:pt>
+                <c:pt idx="29">
+                  <c:v>30</c:v>
                 </c:pt>
               </c:numCache>
             </c:numRef>
           </c:cat>
           <c:val>
             <c:numRef>
-              <c:f>Sheet1!$D$2:$D$9</c:f>
+              <c:f>Sheet1!$D$2:$D$31</c:f>
               <c:numCache>
                 <c:formatCode>General</c:formatCode>
-                <c:ptCount val="8"/>
+                <c:ptCount val="30"/>
                 <c:pt idx="0">
+                  <c:v>3.5</c:v>
+                </c:pt>
+                <c:pt idx="1">
+                  <c:v>4.5</c:v>
+                </c:pt>
+                <c:pt idx="2">
+                  <c:v>2.5</c:v>
+                </c:pt>
+                <c:pt idx="3">
+                  <c:v>3.5</c:v>
+                </c:pt>
+                <c:pt idx="4">
+                  <c:v>4.5</c:v>
+                </c:pt>
+                <c:pt idx="5">
+                  <c:v>3.5</c:v>
+                </c:pt>
+                <c:pt idx="6">
+                  <c:v>4.5</c:v>
+                </c:pt>
+                <c:pt idx="7">
+                  <c:v>2.5</c:v>
+                </c:pt>
+                <c:pt idx="8">
+                  <c:v>3.5</c:v>
+                </c:pt>
+                <c:pt idx="9">
+                  <c:v>4.5</c:v>
+                </c:pt>
+                <c:pt idx="10">
+                  <c:v>3.5</c:v>
+                </c:pt>
+                <c:pt idx="11">
+                  <c:v>4.5</c:v>
+                </c:pt>
+                <c:pt idx="12">
+                  <c:v>2.5</c:v>
+                </c:pt>
+                <c:pt idx="13">
+                  <c:v>3.5</c:v>
+                </c:pt>
+                <c:pt idx="14">
+                  <c:v>4.5</c:v>
+                </c:pt>
+                <c:pt idx="15">
+                  <c:v>3.5</c:v>
+                </c:pt>
+                <c:pt idx="16">
+                  <c:v>4.5</c:v>
+                </c:pt>
+                <c:pt idx="17">
+                  <c:v>2.5</c:v>
+                </c:pt>
+                <c:pt idx="18">
+                  <c:v>3.5</c:v>
+                </c:pt>
+                <c:pt idx="19">
+                  <c:v>4.5</c:v>
+                </c:pt>
+                <c:pt idx="20">
+                  <c:v>3.5</c:v>
+                </c:pt>
+                <c:pt idx="21">
+                  <c:v>4.5</c:v>
+                </c:pt>
+                <c:pt idx="22">
+                  <c:v>2.5</c:v>
+                </c:pt>
+                <c:pt idx="23">
+                  <c:v>3.5</c:v>
+                </c:pt>
+                <c:pt idx="24">
+                  <c:v>4.5</c:v>
+                </c:pt>
+                <c:pt idx="25">
+                  <c:v>4.5</c:v>
+                </c:pt>
+                <c:pt idx="26">
+                  <c:v>2.5</c:v>
+                </c:pt>
+                <c:pt idx="27">
+                  <c:v>3.5</c:v>
+                </c:pt>
+                <c:pt idx="28">
+                  <c:v>4.5</c:v>
+                </c:pt>
+                <c:pt idx="29">
                   <c:v>2</c:v>
-                </c:pt>
-                <c:pt idx="1">
-                  <c:v>2</c:v>
-                </c:pt>
-                <c:pt idx="2">
-                  <c:v>3</c:v>
-                </c:pt>
-                <c:pt idx="3">
-                  <c:v>5</c:v>
-                </c:pt>
-                <c:pt idx="4">
-                  <c:v>2</c:v>
-                </c:pt>
-                <c:pt idx="5">
-                  <c:v>2</c:v>
-                </c:pt>
-                <c:pt idx="6">
-                  <c:v>3</c:v>
-                </c:pt>
-                <c:pt idx="7">
-                  <c:v>5</c:v>
                 </c:pt>
               </c:numCache>
             </c:numRef>
           </c:val>
           <c:extLst>
             <c:ext xmlns:c16="http://schemas.microsoft.com/office/drawing/2014/chart" uri="{C3380CC4-5D6E-409C-BE32-E72D297353CC}">
-              <c16:uniqueId val="{00000002-8043-46B9-89F1-640243D8D8B0}"/>
+              <c16:uniqueId val="{00000002-0579-4D56-B90A-E0BC0AB4AD37}"/>
             </c:ext>
           </c:extLst>
         </c:ser>
@@ -1073,10 +1487,10 @@
           <c:invertIfNegative val="0"/>
           <c:cat>
             <c:numRef>
-              <c:f>Sheet1!$A$2:$A$7</c:f>
+              <c:f>Sheet1!$A$2:$A$31</c:f>
               <c:numCache>
                 <c:formatCode>General</c:formatCode>
-                <c:ptCount val="6"/>
+                <c:ptCount val="30"/>
                 <c:pt idx="0">
                   <c:v>1</c:v>
                 </c:pt>
@@ -1094,46 +1508,184 @@
                 </c:pt>
                 <c:pt idx="5">
                   <c:v>6</c:v>
+                </c:pt>
+                <c:pt idx="6">
+                  <c:v>7</c:v>
+                </c:pt>
+                <c:pt idx="7">
+                  <c:v>8</c:v>
+                </c:pt>
+                <c:pt idx="8">
+                  <c:v>9</c:v>
+                </c:pt>
+                <c:pt idx="9">
+                  <c:v>10</c:v>
+                </c:pt>
+                <c:pt idx="10">
+                  <c:v>11</c:v>
+                </c:pt>
+                <c:pt idx="11">
+                  <c:v>12</c:v>
+                </c:pt>
+                <c:pt idx="12">
+                  <c:v>13</c:v>
+                </c:pt>
+                <c:pt idx="13">
+                  <c:v>14</c:v>
+                </c:pt>
+                <c:pt idx="14">
+                  <c:v>15</c:v>
+                </c:pt>
+                <c:pt idx="15">
+                  <c:v>16</c:v>
+                </c:pt>
+                <c:pt idx="16">
+                  <c:v>17</c:v>
+                </c:pt>
+                <c:pt idx="17">
+                  <c:v>18</c:v>
+                </c:pt>
+                <c:pt idx="18">
+                  <c:v>19</c:v>
+                </c:pt>
+                <c:pt idx="19">
+                  <c:v>20</c:v>
+                </c:pt>
+                <c:pt idx="20">
+                  <c:v>21</c:v>
+                </c:pt>
+                <c:pt idx="21">
+                  <c:v>22</c:v>
+                </c:pt>
+                <c:pt idx="22">
+                  <c:v>23</c:v>
+                </c:pt>
+                <c:pt idx="23">
+                  <c:v>24</c:v>
+                </c:pt>
+                <c:pt idx="24">
+                  <c:v>25</c:v>
+                </c:pt>
+                <c:pt idx="25">
+                  <c:v>26</c:v>
+                </c:pt>
+                <c:pt idx="26">
+                  <c:v>27</c:v>
+                </c:pt>
+                <c:pt idx="27">
+                  <c:v>28</c:v>
+                </c:pt>
+                <c:pt idx="28">
+                  <c:v>29</c:v>
+                </c:pt>
+                <c:pt idx="29">
+                  <c:v>30</c:v>
                 </c:pt>
               </c:numCache>
             </c:numRef>
           </c:cat>
           <c:val>
             <c:numRef>
-              <c:f>Sheet1!$E$2:$E$9</c:f>
+              <c:f>Sheet1!$E$2:$E$31</c:f>
               <c:numCache>
                 <c:formatCode>General</c:formatCode>
-                <c:ptCount val="8"/>
+                <c:ptCount val="30"/>
                 <c:pt idx="0">
-                  <c:v>4.3</c:v>
+                  <c:v>1.8</c:v>
                 </c:pt>
                 <c:pt idx="1">
-                  <c:v>2.5</c:v>
+                  <c:v>2.8</c:v>
                 </c:pt>
                 <c:pt idx="2">
-                  <c:v>3.5</c:v>
+                  <c:v>4.4000000000000004</c:v>
                 </c:pt>
                 <c:pt idx="3">
-                  <c:v>4.5</c:v>
+                  <c:v>1.8</c:v>
                 </c:pt>
                 <c:pt idx="4">
-                  <c:v>4.3</c:v>
+                  <c:v>2.8</c:v>
                 </c:pt>
                 <c:pt idx="5">
-                  <c:v>2.5</c:v>
+                  <c:v>1.8</c:v>
                 </c:pt>
                 <c:pt idx="6">
-                  <c:v>3.5</c:v>
+                  <c:v>2.8</c:v>
                 </c:pt>
                 <c:pt idx="7">
-                  <c:v>4.5</c:v>
+                  <c:v>4.4000000000000004</c:v>
+                </c:pt>
+                <c:pt idx="8">
+                  <c:v>1.8</c:v>
+                </c:pt>
+                <c:pt idx="9">
+                  <c:v>2.8</c:v>
+                </c:pt>
+                <c:pt idx="10">
+                  <c:v>1.8</c:v>
+                </c:pt>
+                <c:pt idx="11">
+                  <c:v>2.8</c:v>
+                </c:pt>
+                <c:pt idx="12">
+                  <c:v>4.4000000000000004</c:v>
+                </c:pt>
+                <c:pt idx="13">
+                  <c:v>1.8</c:v>
+                </c:pt>
+                <c:pt idx="14">
+                  <c:v>2.8</c:v>
+                </c:pt>
+                <c:pt idx="15">
+                  <c:v>1.8</c:v>
+                </c:pt>
+                <c:pt idx="16">
+                  <c:v>2.8</c:v>
+                </c:pt>
+                <c:pt idx="17">
+                  <c:v>4.4000000000000004</c:v>
+                </c:pt>
+                <c:pt idx="18">
+                  <c:v>1.8</c:v>
+                </c:pt>
+                <c:pt idx="19">
+                  <c:v>2.8</c:v>
+                </c:pt>
+                <c:pt idx="20">
+                  <c:v>1.8</c:v>
+                </c:pt>
+                <c:pt idx="21">
+                  <c:v>2.8</c:v>
+                </c:pt>
+                <c:pt idx="22">
+                  <c:v>4.4000000000000004</c:v>
+                </c:pt>
+                <c:pt idx="23">
+                  <c:v>1.8</c:v>
+                </c:pt>
+                <c:pt idx="24">
+                  <c:v>2.8</c:v>
+                </c:pt>
+                <c:pt idx="25">
+                  <c:v>2.8</c:v>
+                </c:pt>
+                <c:pt idx="26">
+                  <c:v>4.4000000000000004</c:v>
+                </c:pt>
+                <c:pt idx="27">
+                  <c:v>1.8</c:v>
+                </c:pt>
+                <c:pt idx="28">
+                  <c:v>2.8</c:v>
+                </c:pt>
+                <c:pt idx="29">
+                  <c:v>3</c:v>
                 </c:pt>
               </c:numCache>
             </c:numRef>
           </c:val>
           <c:extLst>
             <c:ext xmlns:c16="http://schemas.microsoft.com/office/drawing/2014/chart" uri="{C3380CC4-5D6E-409C-BE32-E72D297353CC}">
-              <c16:uniqueId val="{00000003-8043-46B9-89F1-640243D8D8B0}"/>
+              <c16:uniqueId val="{00000003-0579-4D56-B90A-E0BC0AB4AD37}"/>
             </c:ext>
           </c:extLst>
         </c:ser>
@@ -1163,10 +1715,10 @@
           <c:invertIfNegative val="0"/>
           <c:cat>
             <c:numRef>
-              <c:f>Sheet1!$A$2:$A$7</c:f>
+              <c:f>Sheet1!$A$2:$A$31</c:f>
               <c:numCache>
                 <c:formatCode>General</c:formatCode>
-                <c:ptCount val="6"/>
+                <c:ptCount val="30"/>
                 <c:pt idx="0">
                   <c:v>1</c:v>
                 </c:pt>
@@ -1184,46 +1736,184 @@
                 </c:pt>
                 <c:pt idx="5">
                   <c:v>6</c:v>
+                </c:pt>
+                <c:pt idx="6">
+                  <c:v>7</c:v>
+                </c:pt>
+                <c:pt idx="7">
+                  <c:v>8</c:v>
+                </c:pt>
+                <c:pt idx="8">
+                  <c:v>9</c:v>
+                </c:pt>
+                <c:pt idx="9">
+                  <c:v>10</c:v>
+                </c:pt>
+                <c:pt idx="10">
+                  <c:v>11</c:v>
+                </c:pt>
+                <c:pt idx="11">
+                  <c:v>12</c:v>
+                </c:pt>
+                <c:pt idx="12">
+                  <c:v>13</c:v>
+                </c:pt>
+                <c:pt idx="13">
+                  <c:v>14</c:v>
+                </c:pt>
+                <c:pt idx="14">
+                  <c:v>15</c:v>
+                </c:pt>
+                <c:pt idx="15">
+                  <c:v>16</c:v>
+                </c:pt>
+                <c:pt idx="16">
+                  <c:v>17</c:v>
+                </c:pt>
+                <c:pt idx="17">
+                  <c:v>18</c:v>
+                </c:pt>
+                <c:pt idx="18">
+                  <c:v>19</c:v>
+                </c:pt>
+                <c:pt idx="19">
+                  <c:v>20</c:v>
+                </c:pt>
+                <c:pt idx="20">
+                  <c:v>21</c:v>
+                </c:pt>
+                <c:pt idx="21">
+                  <c:v>22</c:v>
+                </c:pt>
+                <c:pt idx="22">
+                  <c:v>23</c:v>
+                </c:pt>
+                <c:pt idx="23">
+                  <c:v>24</c:v>
+                </c:pt>
+                <c:pt idx="24">
+                  <c:v>25</c:v>
+                </c:pt>
+                <c:pt idx="25">
+                  <c:v>26</c:v>
+                </c:pt>
+                <c:pt idx="26">
+                  <c:v>27</c:v>
+                </c:pt>
+                <c:pt idx="27">
+                  <c:v>28</c:v>
+                </c:pt>
+                <c:pt idx="28">
+                  <c:v>29</c:v>
+                </c:pt>
+                <c:pt idx="29">
+                  <c:v>30</c:v>
                 </c:pt>
               </c:numCache>
             </c:numRef>
           </c:cat>
           <c:val>
             <c:numRef>
-              <c:f>Sheet1!$F$2:$F$9</c:f>
+              <c:f>Sheet1!$F$2:$F$31</c:f>
               <c:numCache>
                 <c:formatCode>General</c:formatCode>
-                <c:ptCount val="8"/>
+                <c:ptCount val="30"/>
                 <c:pt idx="0">
-                  <c:v>2.4</c:v>
+                  <c:v>1</c:v>
                 </c:pt>
                 <c:pt idx="1">
-                  <c:v>4.4000000000000004</c:v>
+                  <c:v>1</c:v>
                 </c:pt>
                 <c:pt idx="2">
-                  <c:v>1.8</c:v>
+                  <c:v>1</c:v>
                 </c:pt>
                 <c:pt idx="3">
-                  <c:v>2.8</c:v>
+                  <c:v>1</c:v>
                 </c:pt>
                 <c:pt idx="4">
-                  <c:v>2.4</c:v>
+                  <c:v>3</c:v>
                 </c:pt>
                 <c:pt idx="5">
-                  <c:v>4.4000000000000004</c:v>
+                  <c:v>1</c:v>
                 </c:pt>
                 <c:pt idx="6">
-                  <c:v>1.8</c:v>
+                  <c:v>1</c:v>
                 </c:pt>
                 <c:pt idx="7">
-                  <c:v>2.8</c:v>
+                  <c:v>1</c:v>
+                </c:pt>
+                <c:pt idx="8">
+                  <c:v>1</c:v>
+                </c:pt>
+                <c:pt idx="9">
+                  <c:v>3</c:v>
+                </c:pt>
+                <c:pt idx="10">
+                  <c:v>1</c:v>
+                </c:pt>
+                <c:pt idx="11">
+                  <c:v>1</c:v>
+                </c:pt>
+                <c:pt idx="12">
+                  <c:v>1</c:v>
+                </c:pt>
+                <c:pt idx="13">
+                  <c:v>1</c:v>
+                </c:pt>
+                <c:pt idx="14">
+                  <c:v>3</c:v>
+                </c:pt>
+                <c:pt idx="15">
+                  <c:v>1</c:v>
+                </c:pt>
+                <c:pt idx="16">
+                  <c:v>1</c:v>
+                </c:pt>
+                <c:pt idx="17">
+                  <c:v>1</c:v>
+                </c:pt>
+                <c:pt idx="18">
+                  <c:v>1</c:v>
+                </c:pt>
+                <c:pt idx="19">
+                  <c:v>3</c:v>
+                </c:pt>
+                <c:pt idx="20">
+                  <c:v>1</c:v>
+                </c:pt>
+                <c:pt idx="21">
+                  <c:v>1</c:v>
+                </c:pt>
+                <c:pt idx="22">
+                  <c:v>1</c:v>
+                </c:pt>
+                <c:pt idx="23">
+                  <c:v>1</c:v>
+                </c:pt>
+                <c:pt idx="24">
+                  <c:v>3</c:v>
+                </c:pt>
+                <c:pt idx="25">
+                  <c:v>1</c:v>
+                </c:pt>
+                <c:pt idx="26">
+                  <c:v>1</c:v>
+                </c:pt>
+                <c:pt idx="27">
+                  <c:v>1</c:v>
+                </c:pt>
+                <c:pt idx="28">
+                  <c:v>3</c:v>
+                </c:pt>
+                <c:pt idx="29">
+                  <c:v>5</c:v>
                 </c:pt>
               </c:numCache>
             </c:numRef>
           </c:val>
           <c:extLst>
             <c:ext xmlns:c16="http://schemas.microsoft.com/office/drawing/2014/chart" uri="{C3380CC4-5D6E-409C-BE32-E72D297353CC}">
-              <c16:uniqueId val="{00000004-8043-46B9-89F1-640243D8D8B0}"/>
+              <c16:uniqueId val="{00000004-0579-4D56-B90A-E0BC0AB4AD37}"/>
             </c:ext>
           </c:extLst>
         </c:ser>
@@ -1235,20 +1925,20 @@
           <c:showPercent val="0"/>
           <c:showBubbleSize val="0"/>
         </c:dLbls>
-        <c:gapWidth val="150"/>
+        <c:gapWidth val="219"/>
         <c:overlap val="100"/>
-        <c:axId val="401644400"/>
-        <c:axId val="401646000"/>
+        <c:axId val="540956368"/>
+        <c:axId val="540957008"/>
       </c:barChart>
       <c:catAx>
-        <c:axId val="401644400"/>
+        <c:axId val="540956368"/>
         <c:scaling>
           <c:orientation val="minMax"/>
         </c:scaling>
         <c:delete val="0"/>
         <c:axPos val="b"/>
         <c:numFmt formatCode="General" sourceLinked="1"/>
-        <c:majorTickMark val="none"/>
+        <c:majorTickMark val="out"/>
         <c:minorTickMark val="none"/>
         <c:tickLblPos val="nextTo"/>
         <c:spPr>
@@ -1284,7 +1974,7 @@
             <a:endParaRPr lang="ja-JP"/>
           </a:p>
         </c:txPr>
-        <c:crossAx val="401646000"/>
+        <c:crossAx val="540957008"/>
         <c:crosses val="autoZero"/>
         <c:auto val="1"/>
         <c:lblAlgn val="ctr"/>
@@ -1292,7 +1982,7 @@
         <c:noMultiLvlLbl val="0"/>
       </c:catAx>
       <c:valAx>
-        <c:axId val="401646000"/>
+        <c:axId val="540957008"/>
         <c:scaling>
           <c:orientation val="minMax"/>
         </c:scaling>
@@ -1313,7 +2003,7 @@
           </c:spPr>
         </c:majorGridlines>
         <c:numFmt formatCode="General" sourceLinked="1"/>
-        <c:majorTickMark val="none"/>
+        <c:majorTickMark val="out"/>
         <c:minorTickMark val="none"/>
         <c:tickLblPos val="nextTo"/>
         <c:spPr>
@@ -1343,7 +2033,7 @@
             <a:endParaRPr lang="ja-JP"/>
           </a:p>
         </c:txPr>
-        <c:crossAx val="401644400"/>
+        <c:crossAx val="540956368"/>
         <c:crosses val="autoZero"/>
         <c:crossBetween val="between"/>
       </c:valAx>
@@ -3985,7 +4675,7 @@
 </file>
 
 <file path=ppt/charts/style3.xml><?xml version="1.0" encoding="utf-8"?>
-<cs:chartStyle xmlns:cs="http://schemas.microsoft.com/office/drawing/2012/chartStyle" xmlns:a="http://schemas.openxmlformats.org/drawingml/2006/main" id="297">
+<cs:chartStyle xmlns:cs="http://schemas.microsoft.com/office/drawing/2012/chartStyle" xmlns:a="http://schemas.openxmlformats.org/drawingml/2006/main" id="201">
   <cs:axisTitle>
     <cs:lnRef idx="0"/>
     <cs:fillRef idx="0"/>
@@ -4189,23 +4879,22 @@
     <cs:fillRef idx="0"/>
     <cs:effectRef idx="0"/>
     <cs:fontRef idx="minor">
-      <a:schemeClr val="tx1"/>
+      <a:schemeClr val="dk1"/>
     </cs:fontRef>
     <cs:spPr>
       <a:solidFill>
         <a:schemeClr val="dk1">
-          <a:lumMod val="75000"/>
-          <a:lumOff val="25000"/>
+          <a:lumMod val="65000"/>
+          <a:lumOff val="35000"/>
         </a:schemeClr>
       </a:solidFill>
-      <a:ln w="9525" cap="flat" cmpd="sng" algn="ctr">
+      <a:ln w="9525">
         <a:solidFill>
           <a:schemeClr val="tx1">
             <a:lumMod val="65000"/>
             <a:lumOff val="35000"/>
           </a:schemeClr>
         </a:solidFill>
-        <a:round/>
       </a:ln>
     </cs:spPr>
   </cs:downBar>
@@ -4310,8 +4999,8 @@
       <a:ln w="9525" cap="flat" cmpd="sng" algn="ctr">
         <a:solidFill>
           <a:schemeClr val="tx1">
-            <a:lumMod val="50000"/>
-            <a:lumOff val="50000"/>
+            <a:lumMod val="75000"/>
+            <a:lumOff val="25000"/>
           </a:schemeClr>
         </a:solidFill>
         <a:round/>
@@ -4443,20 +5132,19 @@
     <cs:fillRef idx="0"/>
     <cs:effectRef idx="0"/>
     <cs:fontRef idx="minor">
-      <a:schemeClr val="tx1"/>
+      <a:schemeClr val="dk1"/>
     </cs:fontRef>
     <cs:spPr>
       <a:solidFill>
         <a:schemeClr val="lt1"/>
       </a:solidFill>
-      <a:ln w="9525" cap="flat" cmpd="sng" algn="ctr">
+      <a:ln w="9525">
         <a:solidFill>
           <a:schemeClr val="tx1">
-            <a:lumMod val="65000"/>
-            <a:lumOff val="35000"/>
+            <a:lumMod val="15000"/>
+            <a:lumOff val="85000"/>
           </a:schemeClr>
         </a:solidFill>
-        <a:round/>
       </a:ln>
     </cs:spPr>
   </cs:upBar>
@@ -12663,34 +13351,6 @@
           </a:graphicData>
         </a:graphic>
       </p:graphicFrame>
-      <p:graphicFrame>
-        <p:nvGraphicFramePr>
-          <p:cNvPr id="42" name="Chart 41">
-            <a:extLst>
-              <a:ext uri="{FF2B5EF4-FFF2-40B4-BE49-F238E27FC236}">
-                <a16:creationId xmlns:a16="http://schemas.microsoft.com/office/drawing/2014/main" id="{9DDAD4E9-79A3-4998-A51C-1740FDA20931}"/>
-              </a:ext>
-            </a:extLst>
-          </p:cNvPr>
-          <p:cNvGraphicFramePr/>
-          <p:nvPr>
-            <p:extLst>
-              <p:ext uri="{D42A27DB-BD31-4B8C-83A1-F6EECF244321}">
-                <p14:modId xmlns:p14="http://schemas.microsoft.com/office/powerpoint/2010/main" val="3268080844"/>
-              </p:ext>
-            </p:extLst>
-          </p:nvPr>
-        </p:nvGraphicFramePr>
-        <p:xfrm>
-          <a:off x="8152297" y="4537652"/>
-          <a:ext cx="3599934" cy="1812210"/>
-        </p:xfrm>
-        <a:graphic>
-          <a:graphicData uri="http://schemas.openxmlformats.org/drawingml/2006/chart">
-            <c:chart xmlns:c="http://schemas.openxmlformats.org/drawingml/2006/chart" xmlns:r="http://schemas.openxmlformats.org/officeDocument/2006/relationships" r:id="rId4"/>
-          </a:graphicData>
-        </a:graphic>
-      </p:graphicFrame>
       <p:sp>
         <p:nvSpPr>
           <p:cNvPr id="3" name="Isosceles Triangle 2">
@@ -12834,6 +13494,34 @@
           </a:p>
         </p:txBody>
       </p:sp>
+      <p:graphicFrame>
+        <p:nvGraphicFramePr>
+          <p:cNvPr id="13" name="Chart 12">
+            <a:extLst>
+              <a:ext uri="{FF2B5EF4-FFF2-40B4-BE49-F238E27FC236}">
+                <a16:creationId xmlns:a16="http://schemas.microsoft.com/office/drawing/2014/main" id="{84502A99-06D2-4015-B714-B7EE0C475223}"/>
+              </a:ext>
+            </a:extLst>
+          </p:cNvPr>
+          <p:cNvGraphicFramePr/>
+          <p:nvPr>
+            <p:extLst>
+              <p:ext uri="{D42A27DB-BD31-4B8C-83A1-F6EECF244321}">
+                <p14:modId xmlns:p14="http://schemas.microsoft.com/office/powerpoint/2010/main" val="3111660346"/>
+              </p:ext>
+            </p:extLst>
+          </p:nvPr>
+        </p:nvGraphicFramePr>
+        <p:xfrm>
+          <a:off x="8053388" y="4641481"/>
+          <a:ext cx="3819525" cy="1747451"/>
+        </p:xfrm>
+        <a:graphic>
+          <a:graphicData uri="http://schemas.openxmlformats.org/drawingml/2006/chart">
+            <c:chart xmlns:c="http://schemas.openxmlformats.org/drawingml/2006/chart" xmlns:r="http://schemas.openxmlformats.org/officeDocument/2006/relationships" r:id="rId4"/>
+          </a:graphicData>
+        </a:graphic>
+      </p:graphicFrame>
     </p:spTree>
     <p:extLst>
       <p:ext uri="{BB962C8B-B14F-4D97-AF65-F5344CB8AC3E}">
